--- a/ppt/05-25.pptx
+++ b/ppt/05-25.pptx
@@ -7,6 +7,7 @@
   <p:sldIdLst>
     <p:sldId id="281" r:id="rId2"/>
     <p:sldId id="282" r:id="rId3"/>
+    <p:sldId id="283" r:id="rId4"/>
   </p:sldIdLst>
   <p:sldSz cx="12192000" cy="6858000"/>
   <p:notesSz cx="6858000" cy="9144000"/>
@@ -3288,6 +3289,427 @@
 </p:sld>
 </file>
 
+<file path=ppt/slides/slide3.xml><?xml version="1.0" encoding="utf-8"?>
+<p:sld xmlns:a="http://schemas.openxmlformats.org/drawingml/2006/main" xmlns:r="http://schemas.openxmlformats.org/officeDocument/2006/relationships" xmlns:p="http://schemas.openxmlformats.org/presentationml/2006/main">
+  <p:cSld>
+    <p:spTree>
+      <p:nvGrpSpPr>
+        <p:cNvPr id="1" name=""/>
+        <p:cNvGrpSpPr/>
+        <p:nvPr/>
+      </p:nvGrpSpPr>
+      <p:grpSpPr>
+        <a:xfrm>
+          <a:off x="0" y="0"/>
+          <a:ext cx="0" cy="0"/>
+          <a:chOff x="0" y="0"/>
+          <a:chExt cx="0" cy="0"/>
+        </a:xfrm>
+      </p:grpSpPr>
+      <p:pic>
+        <p:nvPicPr>
+          <p:cNvPr id="6" name="그림 5">
+            <a:extLst>
+              <a:ext uri="{FF2B5EF4-FFF2-40B4-BE49-F238E27FC236}">
+                <a16:creationId xmlns:a16="http://schemas.microsoft.com/office/drawing/2014/main" id="{0BFD60C0-E123-334C-A34A-B651CE3ED96D}"/>
+              </a:ext>
+            </a:extLst>
+          </p:cNvPr>
+          <p:cNvPicPr>
+            <a:picLocks noChangeAspect="1"/>
+          </p:cNvPicPr>
+          <p:nvPr/>
+        </p:nvPicPr>
+        <p:blipFill>
+          <a:blip r:embed="rId2"/>
+          <a:stretch>
+            <a:fillRect/>
+          </a:stretch>
+        </p:blipFill>
+        <p:spPr>
+          <a:xfrm>
+            <a:off x="5901023" y="1953370"/>
+            <a:ext cx="3105583" cy="666843"/>
+          </a:xfrm>
+          <a:prstGeom prst="rect">
+            <a:avLst/>
+          </a:prstGeom>
+        </p:spPr>
+      </p:pic>
+      <p:sp>
+        <p:nvSpPr>
+          <p:cNvPr id="7" name="TextBox 6">
+            <a:extLst>
+              <a:ext uri="{FF2B5EF4-FFF2-40B4-BE49-F238E27FC236}">
+                <a16:creationId xmlns:a16="http://schemas.microsoft.com/office/drawing/2014/main" id="{1552A00D-DC8D-4EDE-A24C-3B3A300E7E5E}"/>
+              </a:ext>
+            </a:extLst>
+          </p:cNvPr>
+          <p:cNvSpPr txBox="1"/>
+          <p:nvPr/>
+        </p:nvSpPr>
+        <p:spPr>
+          <a:xfrm>
+            <a:off x="748215" y="1331494"/>
+            <a:ext cx="1821332" cy="369332"/>
+          </a:xfrm>
+          <a:prstGeom prst="rect">
+            <a:avLst/>
+          </a:prstGeom>
+          <a:noFill/>
+        </p:spPr>
+        <p:txBody>
+          <a:bodyPr wrap="none" rtlCol="0">
+            <a:spAutoFit/>
+          </a:bodyPr>
+          <a:lstStyle/>
+          <a:p>
+            <a:r>
+              <a:rPr lang="en-US" altLang="ko-KR" dirty="0"/>
+              <a:t>UI-SJN-33-003L</a:t>
+            </a:r>
+          </a:p>
+        </p:txBody>
+      </p:sp>
+      <p:pic>
+        <p:nvPicPr>
+          <p:cNvPr id="9" name="그림 8">
+            <a:extLst>
+              <a:ext uri="{FF2B5EF4-FFF2-40B4-BE49-F238E27FC236}">
+                <a16:creationId xmlns:a16="http://schemas.microsoft.com/office/drawing/2014/main" id="{E78E33B9-7DAC-7D4F-4BA2-CED54FAF555B}"/>
+              </a:ext>
+            </a:extLst>
+          </p:cNvPr>
+          <p:cNvPicPr>
+            <a:picLocks noChangeAspect="1"/>
+          </p:cNvPicPr>
+          <p:nvPr/>
+        </p:nvPicPr>
+        <p:blipFill>
+          <a:blip r:embed="rId3"/>
+          <a:stretch>
+            <a:fillRect/>
+          </a:stretch>
+        </p:blipFill>
+        <p:spPr>
+          <a:xfrm>
+            <a:off x="748215" y="1993430"/>
+            <a:ext cx="4182059" cy="1038370"/>
+          </a:xfrm>
+          <a:prstGeom prst="rect">
+            <a:avLst/>
+          </a:prstGeom>
+        </p:spPr>
+      </p:pic>
+      <p:cxnSp>
+        <p:nvCxnSpPr>
+          <p:cNvPr id="10" name="직선 화살표 연결선 9">
+            <a:extLst>
+              <a:ext uri="{FF2B5EF4-FFF2-40B4-BE49-F238E27FC236}">
+                <a16:creationId xmlns:a16="http://schemas.microsoft.com/office/drawing/2014/main" id="{42CA0A29-2AF2-7943-74ED-4AF4DE29116F}"/>
+              </a:ext>
+            </a:extLst>
+          </p:cNvPr>
+          <p:cNvCxnSpPr/>
+          <p:nvPr/>
+        </p:nvCxnSpPr>
+        <p:spPr>
+          <a:xfrm flipV="1">
+            <a:off x="6800651" y="2117512"/>
+            <a:ext cx="0" cy="790206"/>
+          </a:xfrm>
+          <a:prstGeom prst="straightConnector1">
+            <a:avLst/>
+          </a:prstGeom>
+          <a:ln>
+            <a:tailEnd type="triangle"/>
+          </a:ln>
+        </p:spPr>
+        <p:style>
+          <a:lnRef idx="1">
+            <a:schemeClr val="accent1"/>
+          </a:lnRef>
+          <a:fillRef idx="0">
+            <a:schemeClr val="accent1"/>
+          </a:fillRef>
+          <a:effectRef idx="0">
+            <a:schemeClr val="accent1"/>
+          </a:effectRef>
+          <a:fontRef idx="minor">
+            <a:schemeClr val="tx1"/>
+          </a:fontRef>
+        </p:style>
+      </p:cxnSp>
+      <p:sp>
+        <p:nvSpPr>
+          <p:cNvPr id="11" name="TextBox 10">
+            <a:extLst>
+              <a:ext uri="{FF2B5EF4-FFF2-40B4-BE49-F238E27FC236}">
+                <a16:creationId xmlns:a16="http://schemas.microsoft.com/office/drawing/2014/main" id="{7AF25F82-8079-7F85-D426-D8BA9C6C964A}"/>
+              </a:ext>
+            </a:extLst>
+          </p:cNvPr>
+          <p:cNvSpPr txBox="1"/>
+          <p:nvPr/>
+        </p:nvSpPr>
+        <p:spPr>
+          <a:xfrm>
+            <a:off x="5901023" y="3109191"/>
+            <a:ext cx="2087431" cy="307777"/>
+          </a:xfrm>
+          <a:prstGeom prst="rect">
+            <a:avLst/>
+          </a:prstGeom>
+          <a:noFill/>
+        </p:spPr>
+        <p:txBody>
+          <a:bodyPr wrap="none" rtlCol="0">
+            <a:spAutoFit/>
+          </a:bodyPr>
+          <a:lstStyle/>
+          <a:p>
+            <a:r>
+              <a:rPr lang="en-US" altLang="ko-KR" sz="1400" dirty="0" err="1"/>
+              <a:t>handFlex</a:t>
+            </a:r>
+            <a:r>
+              <a:rPr lang="ko-KR" altLang="en-US" sz="1400" dirty="0"/>
+              <a:t>로 감싸주세요</a:t>
+            </a:r>
+            <a:r>
+              <a:rPr lang="en-US" altLang="ko-KR" sz="1400" dirty="0"/>
+              <a:t>.</a:t>
+            </a:r>
+            <a:endParaRPr lang="ko-KR" altLang="en-US" sz="1400" dirty="0"/>
+          </a:p>
+        </p:txBody>
+      </p:sp>
+      <p:pic>
+        <p:nvPicPr>
+          <p:cNvPr id="13" name="그림 12">
+            <a:extLst>
+              <a:ext uri="{FF2B5EF4-FFF2-40B4-BE49-F238E27FC236}">
+                <a16:creationId xmlns:a16="http://schemas.microsoft.com/office/drawing/2014/main" id="{9592DFDE-D7CB-CDC4-2268-7C69B3BC3C7B}"/>
+              </a:ext>
+            </a:extLst>
+          </p:cNvPr>
+          <p:cNvPicPr>
+            <a:picLocks noChangeAspect="1"/>
+          </p:cNvPicPr>
+          <p:nvPr/>
+        </p:nvPicPr>
+        <p:blipFill>
+          <a:blip r:embed="rId2"/>
+          <a:stretch>
+            <a:fillRect/>
+          </a:stretch>
+        </p:blipFill>
+        <p:spPr>
+          <a:xfrm>
+            <a:off x="5901023" y="4993349"/>
+            <a:ext cx="3105583" cy="666843"/>
+          </a:xfrm>
+          <a:prstGeom prst="rect">
+            <a:avLst/>
+          </a:prstGeom>
+        </p:spPr>
+      </p:pic>
+      <p:sp>
+        <p:nvSpPr>
+          <p:cNvPr id="14" name="TextBox 13">
+            <a:extLst>
+              <a:ext uri="{FF2B5EF4-FFF2-40B4-BE49-F238E27FC236}">
+                <a16:creationId xmlns:a16="http://schemas.microsoft.com/office/drawing/2014/main" id="{2927353E-51FD-9820-7742-26CB5F667F53}"/>
+              </a:ext>
+            </a:extLst>
+          </p:cNvPr>
+          <p:cNvSpPr txBox="1"/>
+          <p:nvPr/>
+        </p:nvSpPr>
+        <p:spPr>
+          <a:xfrm>
+            <a:off x="748215" y="4371473"/>
+            <a:ext cx="1821332" cy="369332"/>
+          </a:xfrm>
+          <a:prstGeom prst="rect">
+            <a:avLst/>
+          </a:prstGeom>
+          <a:noFill/>
+        </p:spPr>
+        <p:txBody>
+          <a:bodyPr wrap="none" rtlCol="0">
+            <a:spAutoFit/>
+          </a:bodyPr>
+          <a:lstStyle/>
+          <a:p>
+            <a:r>
+              <a:rPr lang="en-US" altLang="ko-KR" dirty="0"/>
+              <a:t>UI-SJN-34-001L</a:t>
+            </a:r>
+          </a:p>
+        </p:txBody>
+      </p:sp>
+      <p:cxnSp>
+        <p:nvCxnSpPr>
+          <p:cNvPr id="15" name="직선 화살표 연결선 14">
+            <a:extLst>
+              <a:ext uri="{FF2B5EF4-FFF2-40B4-BE49-F238E27FC236}">
+                <a16:creationId xmlns:a16="http://schemas.microsoft.com/office/drawing/2014/main" id="{7B684F2D-4DD0-00C0-6040-C7520FC29ED5}"/>
+              </a:ext>
+            </a:extLst>
+          </p:cNvPr>
+          <p:cNvCxnSpPr/>
+          <p:nvPr/>
+        </p:nvCxnSpPr>
+        <p:spPr>
+          <a:xfrm flipV="1">
+            <a:off x="6800651" y="5157491"/>
+            <a:ext cx="0" cy="790206"/>
+          </a:xfrm>
+          <a:prstGeom prst="straightConnector1">
+            <a:avLst/>
+          </a:prstGeom>
+          <a:ln>
+            <a:tailEnd type="triangle"/>
+          </a:ln>
+        </p:spPr>
+        <p:style>
+          <a:lnRef idx="1">
+            <a:schemeClr val="accent1"/>
+          </a:lnRef>
+          <a:fillRef idx="0">
+            <a:schemeClr val="accent1"/>
+          </a:fillRef>
+          <a:effectRef idx="0">
+            <a:schemeClr val="accent1"/>
+          </a:effectRef>
+          <a:fontRef idx="minor">
+            <a:schemeClr val="tx1"/>
+          </a:fontRef>
+        </p:style>
+      </p:cxnSp>
+      <p:sp>
+        <p:nvSpPr>
+          <p:cNvPr id="16" name="TextBox 15">
+            <a:extLst>
+              <a:ext uri="{FF2B5EF4-FFF2-40B4-BE49-F238E27FC236}">
+                <a16:creationId xmlns:a16="http://schemas.microsoft.com/office/drawing/2014/main" id="{1EDA4308-E8A3-4D3A-1307-42ADB006E636}"/>
+              </a:ext>
+            </a:extLst>
+          </p:cNvPr>
+          <p:cNvSpPr txBox="1"/>
+          <p:nvPr/>
+        </p:nvSpPr>
+        <p:spPr>
+          <a:xfrm>
+            <a:off x="5901023" y="6149170"/>
+            <a:ext cx="2087431" cy="307777"/>
+          </a:xfrm>
+          <a:prstGeom prst="rect">
+            <a:avLst/>
+          </a:prstGeom>
+          <a:noFill/>
+        </p:spPr>
+        <p:txBody>
+          <a:bodyPr wrap="none" rtlCol="0">
+            <a:spAutoFit/>
+          </a:bodyPr>
+          <a:lstStyle/>
+          <a:p>
+            <a:r>
+              <a:rPr lang="en-US" altLang="ko-KR" sz="1400" dirty="0" err="1"/>
+              <a:t>handFlex</a:t>
+            </a:r>
+            <a:r>
+              <a:rPr lang="ko-KR" altLang="en-US" sz="1400" dirty="0"/>
+              <a:t>로 감싸주세요</a:t>
+            </a:r>
+            <a:r>
+              <a:rPr lang="en-US" altLang="ko-KR" sz="1400" dirty="0"/>
+              <a:t>.</a:t>
+            </a:r>
+            <a:endParaRPr lang="ko-KR" altLang="en-US" sz="1400" dirty="0"/>
+          </a:p>
+        </p:txBody>
+      </p:sp>
+      <p:sp>
+        <p:nvSpPr>
+          <p:cNvPr id="17" name="TextBox 16">
+            <a:extLst>
+              <a:ext uri="{FF2B5EF4-FFF2-40B4-BE49-F238E27FC236}">
+                <a16:creationId xmlns:a16="http://schemas.microsoft.com/office/drawing/2014/main" id="{880E4D76-4B86-DF9A-C0FB-EB35E0C28624}"/>
+              </a:ext>
+            </a:extLst>
+          </p:cNvPr>
+          <p:cNvSpPr txBox="1"/>
+          <p:nvPr/>
+        </p:nvSpPr>
+        <p:spPr>
+          <a:xfrm>
+            <a:off x="618956" y="284425"/>
+            <a:ext cx="2820003" cy="369332"/>
+          </a:xfrm>
+          <a:prstGeom prst="rect">
+            <a:avLst/>
+          </a:prstGeom>
+          <a:noFill/>
+        </p:spPr>
+        <p:txBody>
+          <a:bodyPr wrap="none" rtlCol="0">
+            <a:spAutoFit/>
+          </a:bodyPr>
+          <a:lstStyle/>
+          <a:p>
+            <a:r>
+              <a:rPr lang="ko-KR" altLang="en-US" dirty="0"/>
+              <a:t>영역이 딱 붙는 페이지 들</a:t>
+            </a:r>
+          </a:p>
+        </p:txBody>
+      </p:sp>
+      <p:pic>
+        <p:nvPicPr>
+          <p:cNvPr id="18" name="그림 17">
+            <a:extLst>
+              <a:ext uri="{FF2B5EF4-FFF2-40B4-BE49-F238E27FC236}">
+                <a16:creationId xmlns:a16="http://schemas.microsoft.com/office/drawing/2014/main" id="{D89BA8EB-B14B-B3A0-75E2-3CFD35E20CF4}"/>
+              </a:ext>
+            </a:extLst>
+          </p:cNvPr>
+          <p:cNvPicPr>
+            <a:picLocks noChangeAspect="1"/>
+          </p:cNvPicPr>
+          <p:nvPr/>
+        </p:nvPicPr>
+        <p:blipFill>
+          <a:blip r:embed="rId4"/>
+          <a:stretch>
+            <a:fillRect/>
+          </a:stretch>
+        </p:blipFill>
+        <p:spPr>
+          <a:xfrm>
+            <a:off x="748215" y="4923856"/>
+            <a:ext cx="4201111" cy="1257475"/>
+          </a:xfrm>
+          <a:prstGeom prst="rect">
+            <a:avLst/>
+          </a:prstGeom>
+        </p:spPr>
+      </p:pic>
+    </p:spTree>
+    <p:extLst>
+      <p:ext uri="{BB962C8B-B14F-4D97-AF65-F5344CB8AC3E}">
+        <p14:creationId xmlns:p14="http://schemas.microsoft.com/office/powerpoint/2010/main" val="3753851250"/>
+      </p:ext>
+    </p:extLst>
+  </p:cSld>
+  <p:clrMapOvr>
+    <a:masterClrMapping/>
+  </p:clrMapOvr>
+</p:sld>
+</file>
+
 <file path=ppt/theme/theme1.xml><?xml version="1.0" encoding="utf-8"?>
 <a:theme xmlns:a="http://schemas.openxmlformats.org/drawingml/2006/main" name="Office 테마">
   <a:themeElements>

--- a/ppt/05-25.pptx
+++ b/ppt/05-25.pptx
@@ -8,6 +8,7 @@
     <p:sldId id="281" r:id="rId2"/>
     <p:sldId id="282" r:id="rId3"/>
     <p:sldId id="283" r:id="rId4"/>
+    <p:sldId id="284" r:id="rId5"/>
   </p:sldIdLst>
   <p:sldSz cx="12192000" cy="6858000"/>
   <p:notesSz cx="6858000" cy="9144000"/>
@@ -3710,6 +3711,309 @@
 </p:sld>
 </file>
 
+<file path=ppt/slides/slide4.xml><?xml version="1.0" encoding="utf-8"?>
+<p:sld xmlns:a="http://schemas.openxmlformats.org/drawingml/2006/main" xmlns:r="http://schemas.openxmlformats.org/officeDocument/2006/relationships" xmlns:p="http://schemas.openxmlformats.org/presentationml/2006/main">
+  <p:cSld>
+    <p:spTree>
+      <p:nvGrpSpPr>
+        <p:cNvPr id="1" name=""/>
+        <p:cNvGrpSpPr/>
+        <p:nvPr/>
+      </p:nvGrpSpPr>
+      <p:grpSpPr>
+        <a:xfrm>
+          <a:off x="0" y="0"/>
+          <a:ext cx="0" cy="0"/>
+          <a:chOff x="0" y="0"/>
+          <a:chExt cx="0" cy="0"/>
+        </a:xfrm>
+      </p:grpSpPr>
+      <p:pic>
+        <p:nvPicPr>
+          <p:cNvPr id="3" name="그림 2"/>
+          <p:cNvPicPr>
+            <a:picLocks noChangeAspect="1"/>
+          </p:cNvPicPr>
+          <p:nvPr/>
+        </p:nvPicPr>
+        <p:blipFill>
+          <a:blip r:embed="rId2"/>
+          <a:stretch>
+            <a:fillRect/>
+          </a:stretch>
+        </p:blipFill>
+        <p:spPr>
+          <a:xfrm>
+            <a:off x="373572" y="845044"/>
+            <a:ext cx="4639322" cy="3743847"/>
+          </a:xfrm>
+          <a:prstGeom prst="rect">
+            <a:avLst/>
+          </a:prstGeom>
+        </p:spPr>
+      </p:pic>
+      <p:sp>
+        <p:nvSpPr>
+          <p:cNvPr id="2" name="TextBox 1">
+            <a:extLst>
+              <a:ext uri="{FF2B5EF4-FFF2-40B4-BE49-F238E27FC236}">
+                <a16:creationId xmlns:a16="http://schemas.microsoft.com/office/drawing/2014/main" id="{B35CC9F4-688C-7A8A-DB21-ECB6CE0C04A9}"/>
+              </a:ext>
+            </a:extLst>
+          </p:cNvPr>
+          <p:cNvSpPr txBox="1"/>
+          <p:nvPr/>
+        </p:nvSpPr>
+        <p:spPr>
+          <a:xfrm>
+            <a:off x="299803" y="217357"/>
+            <a:ext cx="1936043" cy="369332"/>
+          </a:xfrm>
+          <a:prstGeom prst="rect">
+            <a:avLst/>
+          </a:prstGeom>
+          <a:noFill/>
+        </p:spPr>
+        <p:txBody>
+          <a:bodyPr wrap="none" rtlCol="0">
+            <a:spAutoFit/>
+          </a:bodyPr>
+          <a:lstStyle/>
+          <a:p>
+            <a:r>
+              <a:rPr lang="en-US" altLang="ko-KR" dirty="0"/>
+              <a:t>layer-vote-crowd</a:t>
+            </a:r>
+            <a:endParaRPr lang="ko-KR" altLang="en-US" dirty="0"/>
+          </a:p>
+        </p:txBody>
+      </p:sp>
+      <p:cxnSp>
+        <p:nvCxnSpPr>
+          <p:cNvPr id="8" name="직선 화살표 연결선 7">
+            <a:extLst>
+              <a:ext uri="{FF2B5EF4-FFF2-40B4-BE49-F238E27FC236}">
+                <a16:creationId xmlns:a16="http://schemas.microsoft.com/office/drawing/2014/main" id="{D136CA32-5DC5-092C-8BFA-4D5BB5BA8840}"/>
+              </a:ext>
+            </a:extLst>
+          </p:cNvPr>
+          <p:cNvCxnSpPr/>
+          <p:nvPr/>
+        </p:nvCxnSpPr>
+        <p:spPr>
+          <a:xfrm flipH="1">
+            <a:off x="4787970" y="1314693"/>
+            <a:ext cx="1148135" cy="0"/>
+          </a:xfrm>
+          <a:prstGeom prst="straightConnector1">
+            <a:avLst/>
+          </a:prstGeom>
+          <a:ln>
+            <a:tailEnd type="triangle"/>
+          </a:ln>
+        </p:spPr>
+        <p:style>
+          <a:lnRef idx="1">
+            <a:schemeClr val="accent1"/>
+          </a:lnRef>
+          <a:fillRef idx="0">
+            <a:schemeClr val="accent1"/>
+          </a:fillRef>
+          <a:effectRef idx="0">
+            <a:schemeClr val="accent1"/>
+          </a:effectRef>
+          <a:fontRef idx="minor">
+            <a:schemeClr val="tx1"/>
+          </a:fontRef>
+        </p:style>
+      </p:cxnSp>
+      <p:sp>
+        <p:nvSpPr>
+          <p:cNvPr id="12" name="TextBox 11">
+            <a:extLst>
+              <a:ext uri="{FF2B5EF4-FFF2-40B4-BE49-F238E27FC236}">
+                <a16:creationId xmlns:a16="http://schemas.microsoft.com/office/drawing/2014/main" id="{72EA1177-F1A8-4B41-9D21-80E4B9B3A9CC}"/>
+              </a:ext>
+            </a:extLst>
+          </p:cNvPr>
+          <p:cNvSpPr txBox="1"/>
+          <p:nvPr/>
+        </p:nvSpPr>
+        <p:spPr>
+          <a:xfrm>
+            <a:off x="5966502" y="1145814"/>
+            <a:ext cx="2589170" cy="307777"/>
+          </a:xfrm>
+          <a:prstGeom prst="rect">
+            <a:avLst/>
+          </a:prstGeom>
+          <a:noFill/>
+        </p:spPr>
+        <p:txBody>
+          <a:bodyPr wrap="none" rtlCol="0">
+            <a:spAutoFit/>
+          </a:bodyPr>
+          <a:lstStyle/>
+          <a:p>
+            <a:r>
+              <a:rPr lang="ko-KR" altLang="en-US" sz="1400" dirty="0" smtClean="0"/>
+              <a:t>디자인 및 업데이트 버튼 추가</a:t>
+            </a:r>
+            <a:endParaRPr lang="ko-KR" altLang="en-US" sz="1400" dirty="0"/>
+          </a:p>
+        </p:txBody>
+      </p:sp>
+      <p:pic>
+        <p:nvPicPr>
+          <p:cNvPr id="6" name="그림 5"/>
+          <p:cNvPicPr>
+            <a:picLocks noChangeAspect="1"/>
+          </p:cNvPicPr>
+          <p:nvPr/>
+        </p:nvPicPr>
+        <p:blipFill>
+          <a:blip r:embed="rId3"/>
+          <a:stretch>
+            <a:fillRect/>
+          </a:stretch>
+        </p:blipFill>
+        <p:spPr>
+          <a:xfrm>
+            <a:off x="6816398" y="2756283"/>
+            <a:ext cx="4315427" cy="2724530"/>
+          </a:xfrm>
+          <a:prstGeom prst="rect">
+            <a:avLst/>
+          </a:prstGeom>
+        </p:spPr>
+      </p:pic>
+      <p:sp>
+        <p:nvSpPr>
+          <p:cNvPr id="9" name="TextBox 8">
+            <a:extLst>
+              <a:ext uri="{FF2B5EF4-FFF2-40B4-BE49-F238E27FC236}">
+                <a16:creationId xmlns:a16="http://schemas.microsoft.com/office/drawing/2014/main" id="{72EA1177-F1A8-4B41-9D21-80E4B9B3A9CC}"/>
+              </a:ext>
+            </a:extLst>
+          </p:cNvPr>
+          <p:cNvSpPr txBox="1"/>
+          <p:nvPr/>
+        </p:nvSpPr>
+        <p:spPr>
+          <a:xfrm>
+            <a:off x="8397407" y="6125047"/>
+            <a:ext cx="2581156" cy="307777"/>
+          </a:xfrm>
+          <a:prstGeom prst="rect">
+            <a:avLst/>
+          </a:prstGeom>
+          <a:noFill/>
+        </p:spPr>
+        <p:txBody>
+          <a:bodyPr wrap="none" rtlCol="0">
+            <a:spAutoFit/>
+          </a:bodyPr>
+          <a:lstStyle/>
+          <a:p>
+            <a:r>
+              <a:rPr lang="en-US" altLang="ko-KR" sz="1400" dirty="0" smtClean="0"/>
+              <a:t>[</a:t>
+            </a:r>
+            <a:r>
+              <a:rPr lang="ko-KR" altLang="en-US" sz="1400" dirty="0" smtClean="0"/>
+              <a:t>메인</a:t>
+            </a:r>
+            <a:r>
+              <a:rPr lang="en-US" altLang="ko-KR" sz="1400" dirty="0" smtClean="0"/>
+              <a:t>] </a:t>
+            </a:r>
+            <a:r>
+              <a:rPr lang="ko-KR" altLang="en-US" sz="1400" dirty="0" smtClean="0"/>
+              <a:t>라인 삭제 및 간격 조정</a:t>
+            </a:r>
+            <a:endParaRPr lang="ko-KR" altLang="en-US" sz="1400" dirty="0"/>
+          </a:p>
+        </p:txBody>
+      </p:sp>
+      <p:cxnSp>
+        <p:nvCxnSpPr>
+          <p:cNvPr id="10" name="직선 화살표 연결선 9"/>
+          <p:cNvCxnSpPr/>
+          <p:nvPr/>
+        </p:nvCxnSpPr>
+        <p:spPr>
+          <a:xfrm flipV="1">
+            <a:off x="10095875" y="4601980"/>
+            <a:ext cx="0" cy="1386590"/>
+          </a:xfrm>
+          <a:prstGeom prst="straightConnector1">
+            <a:avLst/>
+          </a:prstGeom>
+          <a:ln>
+            <a:tailEnd type="triangle"/>
+          </a:ln>
+        </p:spPr>
+        <p:style>
+          <a:lnRef idx="1">
+            <a:schemeClr val="accent1"/>
+          </a:lnRef>
+          <a:fillRef idx="0">
+            <a:schemeClr val="accent1"/>
+          </a:fillRef>
+          <a:effectRef idx="0">
+            <a:schemeClr val="accent1"/>
+          </a:effectRef>
+          <a:fontRef idx="minor">
+            <a:schemeClr val="tx1"/>
+          </a:fontRef>
+        </p:style>
+      </p:cxnSp>
+      <p:cxnSp>
+        <p:nvCxnSpPr>
+          <p:cNvPr id="13" name="직선 화살표 연결선 12"/>
+          <p:cNvCxnSpPr/>
+          <p:nvPr/>
+        </p:nvCxnSpPr>
+        <p:spPr>
+          <a:xfrm flipV="1">
+            <a:off x="10470630" y="5164111"/>
+            <a:ext cx="0" cy="869430"/>
+          </a:xfrm>
+          <a:prstGeom prst="straightConnector1">
+            <a:avLst/>
+          </a:prstGeom>
+          <a:ln>
+            <a:tailEnd type="triangle"/>
+          </a:ln>
+        </p:spPr>
+        <p:style>
+          <a:lnRef idx="1">
+            <a:schemeClr val="accent1"/>
+          </a:lnRef>
+          <a:fillRef idx="0">
+            <a:schemeClr val="accent1"/>
+          </a:fillRef>
+          <a:effectRef idx="0">
+            <a:schemeClr val="accent1"/>
+          </a:effectRef>
+          <a:fontRef idx="minor">
+            <a:schemeClr val="tx1"/>
+          </a:fontRef>
+        </p:style>
+      </p:cxnSp>
+    </p:spTree>
+    <p:extLst>
+      <p:ext uri="{BB962C8B-B14F-4D97-AF65-F5344CB8AC3E}">
+        <p14:creationId xmlns:p14="http://schemas.microsoft.com/office/powerpoint/2010/main" val="3814177318"/>
+      </p:ext>
+    </p:extLst>
+  </p:cSld>
+  <p:clrMapOvr>
+    <a:masterClrMapping/>
+  </p:clrMapOvr>
+</p:sld>
+</file>
+
 <file path=ppt/theme/theme1.xml><?xml version="1.0" encoding="utf-8"?>
 <a:theme xmlns:a="http://schemas.openxmlformats.org/drawingml/2006/main" name="Office 테마">
   <a:themeElements>

--- a/ppt/05-25.pptx
+++ b/ppt/05-25.pptx
@@ -9,6 +9,7 @@
     <p:sldId id="282" r:id="rId3"/>
     <p:sldId id="283" r:id="rId4"/>
     <p:sldId id="284" r:id="rId5"/>
+    <p:sldId id="285" r:id="rId6"/>
   </p:sldIdLst>
   <p:sldSz cx="12192000" cy="6858000"/>
   <p:notesSz cx="6858000" cy="9144000"/>
@@ -3099,6 +3100,109 @@
           </a:p>
         </p:txBody>
       </p:sp>
+      <p:pic>
+        <p:nvPicPr>
+          <p:cNvPr id="3" name="그림 2"/>
+          <p:cNvPicPr>
+            <a:picLocks noChangeAspect="1"/>
+          </p:cNvPicPr>
+          <p:nvPr/>
+        </p:nvPicPr>
+        <p:blipFill>
+          <a:blip r:embed="rId3"/>
+          <a:stretch>
+            <a:fillRect/>
+          </a:stretch>
+        </p:blipFill>
+        <p:spPr>
+          <a:xfrm>
+            <a:off x="6640643" y="907809"/>
+            <a:ext cx="4639598" cy="2747130"/>
+          </a:xfrm>
+          <a:prstGeom prst="rect">
+            <a:avLst/>
+          </a:prstGeom>
+        </p:spPr>
+      </p:pic>
+      <p:cxnSp>
+        <p:nvCxnSpPr>
+          <p:cNvPr id="7" name="직선 화살표 연결선 6">
+            <a:extLst>
+              <a:ext uri="{FF2B5EF4-FFF2-40B4-BE49-F238E27FC236}">
+                <a16:creationId xmlns:a16="http://schemas.microsoft.com/office/drawing/2014/main" id="{2B6C6D2E-8B41-10F5-5B79-B1FCBC7279E2}"/>
+              </a:ext>
+            </a:extLst>
+          </p:cNvPr>
+          <p:cNvCxnSpPr/>
+          <p:nvPr/>
+        </p:nvCxnSpPr>
+        <p:spPr>
+          <a:xfrm flipV="1">
+            <a:off x="10007159" y="3803863"/>
+            <a:ext cx="0" cy="874207"/>
+          </a:xfrm>
+          <a:prstGeom prst="straightConnector1">
+            <a:avLst/>
+          </a:prstGeom>
+          <a:ln>
+            <a:tailEnd type="triangle"/>
+          </a:ln>
+        </p:spPr>
+        <p:style>
+          <a:lnRef idx="1">
+            <a:schemeClr val="accent1"/>
+          </a:lnRef>
+          <a:fillRef idx="0">
+            <a:schemeClr val="accent1"/>
+          </a:fillRef>
+          <a:effectRef idx="0">
+            <a:schemeClr val="accent1"/>
+          </a:effectRef>
+          <a:fontRef idx="minor">
+            <a:schemeClr val="tx1"/>
+          </a:fontRef>
+        </p:style>
+      </p:cxnSp>
+      <p:sp>
+        <p:nvSpPr>
+          <p:cNvPr id="9" name="TextBox 8">
+            <a:extLst>
+              <a:ext uri="{FF2B5EF4-FFF2-40B4-BE49-F238E27FC236}">
+                <a16:creationId xmlns:a16="http://schemas.microsoft.com/office/drawing/2014/main" id="{C58114FD-59A5-6162-B896-A9DF6B9D03A4}"/>
+              </a:ext>
+            </a:extLst>
+          </p:cNvPr>
+          <p:cNvSpPr txBox="1"/>
+          <p:nvPr/>
+        </p:nvSpPr>
+        <p:spPr>
+          <a:xfrm>
+            <a:off x="9159406" y="4851260"/>
+            <a:ext cx="1484702" cy="307777"/>
+          </a:xfrm>
+          <a:prstGeom prst="rect">
+            <a:avLst/>
+          </a:prstGeom>
+          <a:noFill/>
+        </p:spPr>
+        <p:txBody>
+          <a:bodyPr wrap="none" rtlCol="0">
+            <a:spAutoFit/>
+          </a:bodyPr>
+          <a:lstStyle/>
+          <a:p>
+            <a:r>
+              <a:rPr lang="en-US" altLang="ko-KR" sz="1400" dirty="0" smtClean="0"/>
+              <a:t>ON </a:t>
+            </a:r>
+            <a:r>
+              <a:rPr lang="ko-KR" altLang="en-US" sz="1400" dirty="0" smtClean="0"/>
+              <a:t>아이콘 변경</a:t>
+            </a:r>
+            <a:endParaRPr lang="ko-KR" altLang="en-US" sz="1400" dirty="0"/>
+          </a:p>
+        </p:txBody>
+      </p:sp>
     </p:spTree>
     <p:extLst>
       <p:ext uri="{BB962C8B-B14F-4D97-AF65-F5344CB8AC3E}">
@@ -4005,6 +4109,245 @@
     <p:extLst>
       <p:ext uri="{BB962C8B-B14F-4D97-AF65-F5344CB8AC3E}">
         <p14:creationId xmlns:p14="http://schemas.microsoft.com/office/powerpoint/2010/main" val="3814177318"/>
+      </p:ext>
+    </p:extLst>
+  </p:cSld>
+  <p:clrMapOvr>
+    <a:masterClrMapping/>
+  </p:clrMapOvr>
+</p:sld>
+</file>
+
+<file path=ppt/slides/slide5.xml><?xml version="1.0" encoding="utf-8"?>
+<p:sld xmlns:a="http://schemas.openxmlformats.org/drawingml/2006/main" xmlns:r="http://schemas.openxmlformats.org/officeDocument/2006/relationships" xmlns:p="http://schemas.openxmlformats.org/presentationml/2006/main">
+  <p:cSld>
+    <p:spTree>
+      <p:nvGrpSpPr>
+        <p:cNvPr id="1" name=""/>
+        <p:cNvGrpSpPr/>
+        <p:nvPr/>
+      </p:nvGrpSpPr>
+      <p:grpSpPr>
+        <a:xfrm>
+          <a:off x="0" y="0"/>
+          <a:ext cx="0" cy="0"/>
+          <a:chOff x="0" y="0"/>
+          <a:chExt cx="0" cy="0"/>
+        </a:xfrm>
+      </p:grpSpPr>
+      <p:pic>
+        <p:nvPicPr>
+          <p:cNvPr id="4" name="그림 3"/>
+          <p:cNvPicPr>
+            <a:picLocks noChangeAspect="1"/>
+          </p:cNvPicPr>
+          <p:nvPr/>
+        </p:nvPicPr>
+        <p:blipFill>
+          <a:blip r:embed="rId2"/>
+          <a:stretch>
+            <a:fillRect/>
+          </a:stretch>
+        </p:blipFill>
+        <p:spPr>
+          <a:xfrm>
+            <a:off x="1434766" y="479808"/>
+            <a:ext cx="9290698" cy="2257108"/>
+          </a:xfrm>
+          <a:prstGeom prst="rect">
+            <a:avLst/>
+          </a:prstGeom>
+        </p:spPr>
+      </p:pic>
+      <p:sp>
+        <p:nvSpPr>
+          <p:cNvPr id="5" name="직사각형 4"/>
+          <p:cNvSpPr/>
+          <p:nvPr/>
+        </p:nvSpPr>
+        <p:spPr>
+          <a:xfrm>
+            <a:off x="7432623" y="3540550"/>
+            <a:ext cx="3472722" cy="369332"/>
+          </a:xfrm>
+          <a:prstGeom prst="rect">
+            <a:avLst/>
+          </a:prstGeom>
+        </p:spPr>
+        <p:txBody>
+          <a:bodyPr wrap="square">
+            <a:spAutoFit/>
+          </a:bodyPr>
+          <a:lstStyle/>
+          <a:p>
+            <a:r>
+              <a:rPr lang="en-US" altLang="ko-KR" dirty="0" smtClean="0"/>
+              <a:t>/</a:t>
+            </a:r>
+            <a:r>
+              <a:rPr lang="ko-KR" altLang="en-US" dirty="0" err="1" smtClean="0"/>
+              <a:t>image</a:t>
+            </a:r>
+            <a:r>
+              <a:rPr lang="en-US" altLang="ko-KR" dirty="0"/>
+              <a:t>/</a:t>
+            </a:r>
+            <a:r>
+              <a:rPr lang="ko-KR" altLang="en-US" dirty="0" err="1" smtClean="0"/>
+              <a:t>common</a:t>
+            </a:r>
+            <a:r>
+              <a:rPr lang="en-US" altLang="ko-KR" dirty="0"/>
+              <a:t>/</a:t>
+            </a:r>
+            <a:r>
+              <a:rPr lang="ko-KR" altLang="en-US" dirty="0" smtClean="0"/>
+              <a:t>ico24_fill</a:t>
+            </a:r>
+            <a:r>
+              <a:rPr lang="en-US" altLang="ko-KR" dirty="0" smtClean="0"/>
+              <a:t>/</a:t>
+            </a:r>
+            <a:r>
+              <a:rPr lang="ko-KR" altLang="en-US" dirty="0" smtClean="0"/>
+              <a:t>@2x</a:t>
+            </a:r>
+            <a:endParaRPr lang="ko-KR" altLang="en-US" dirty="0"/>
+          </a:p>
+        </p:txBody>
+      </p:sp>
+      <p:sp>
+        <p:nvSpPr>
+          <p:cNvPr id="14" name="직사각형 13"/>
+          <p:cNvSpPr/>
+          <p:nvPr/>
+        </p:nvSpPr>
+        <p:spPr>
+          <a:xfrm>
+            <a:off x="2051154" y="3559083"/>
+            <a:ext cx="3232880" cy="369332"/>
+          </a:xfrm>
+          <a:prstGeom prst="rect">
+            <a:avLst/>
+          </a:prstGeom>
+        </p:spPr>
+        <p:txBody>
+          <a:bodyPr wrap="square">
+            <a:spAutoFit/>
+          </a:bodyPr>
+          <a:lstStyle/>
+          <a:p>
+            <a:r>
+              <a:rPr lang="en-US" altLang="ko-KR" dirty="0" smtClean="0"/>
+              <a:t>/image/common/ico24/@2x</a:t>
+            </a:r>
+            <a:endParaRPr lang="ko-KR" altLang="en-US" dirty="0"/>
+          </a:p>
+        </p:txBody>
+      </p:sp>
+      <p:cxnSp>
+        <p:nvCxnSpPr>
+          <p:cNvPr id="11" name="직선 화살표 연결선 10"/>
+          <p:cNvCxnSpPr/>
+          <p:nvPr/>
+        </p:nvCxnSpPr>
+        <p:spPr>
+          <a:xfrm flipV="1">
+            <a:off x="9009089" y="2698230"/>
+            <a:ext cx="0" cy="689547"/>
+          </a:xfrm>
+          <a:prstGeom prst="straightConnector1">
+            <a:avLst/>
+          </a:prstGeom>
+          <a:ln>
+            <a:tailEnd type="triangle"/>
+          </a:ln>
+        </p:spPr>
+        <p:style>
+          <a:lnRef idx="1">
+            <a:schemeClr val="accent1"/>
+          </a:lnRef>
+          <a:fillRef idx="0">
+            <a:schemeClr val="accent1"/>
+          </a:fillRef>
+          <a:effectRef idx="0">
+            <a:schemeClr val="accent1"/>
+          </a:effectRef>
+          <a:fontRef idx="minor">
+            <a:schemeClr val="tx1"/>
+          </a:fontRef>
+        </p:style>
+      </p:cxnSp>
+      <p:cxnSp>
+        <p:nvCxnSpPr>
+          <p:cNvPr id="16" name="직선 화살표 연결선 15"/>
+          <p:cNvCxnSpPr/>
+          <p:nvPr/>
+        </p:nvCxnSpPr>
+        <p:spPr>
+          <a:xfrm flipV="1">
+            <a:off x="3770026" y="2623279"/>
+            <a:ext cx="0" cy="757003"/>
+          </a:xfrm>
+          <a:prstGeom prst="straightConnector1">
+            <a:avLst/>
+          </a:prstGeom>
+          <a:ln>
+            <a:tailEnd type="triangle"/>
+          </a:ln>
+        </p:spPr>
+        <p:style>
+          <a:lnRef idx="1">
+            <a:schemeClr val="accent1"/>
+          </a:lnRef>
+          <a:fillRef idx="0">
+            <a:schemeClr val="accent1"/>
+          </a:fillRef>
+          <a:effectRef idx="0">
+            <a:schemeClr val="accent1"/>
+          </a:effectRef>
+          <a:fontRef idx="minor">
+            <a:schemeClr val="tx1"/>
+          </a:fontRef>
+        </p:style>
+      </p:cxnSp>
+      <p:cxnSp>
+        <p:nvCxnSpPr>
+          <p:cNvPr id="18" name="직선 화살표 연결선 17"/>
+          <p:cNvCxnSpPr/>
+          <p:nvPr/>
+        </p:nvCxnSpPr>
+        <p:spPr>
+          <a:xfrm flipV="1">
+            <a:off x="4107305" y="2540833"/>
+            <a:ext cx="1851285" cy="899410"/>
+          </a:xfrm>
+          <a:prstGeom prst="straightConnector1">
+            <a:avLst/>
+          </a:prstGeom>
+          <a:ln>
+            <a:tailEnd type="triangle"/>
+          </a:ln>
+        </p:spPr>
+        <p:style>
+          <a:lnRef idx="1">
+            <a:schemeClr val="accent1"/>
+          </a:lnRef>
+          <a:fillRef idx="0">
+            <a:schemeClr val="accent1"/>
+          </a:fillRef>
+          <a:effectRef idx="0">
+            <a:schemeClr val="accent1"/>
+          </a:effectRef>
+          <a:fontRef idx="minor">
+            <a:schemeClr val="tx1"/>
+          </a:fontRef>
+        </p:style>
+      </p:cxnSp>
+    </p:spTree>
+    <p:extLst>
+      <p:ext uri="{BB962C8B-B14F-4D97-AF65-F5344CB8AC3E}">
+        <p14:creationId xmlns:p14="http://schemas.microsoft.com/office/powerpoint/2010/main" val="3077214225"/>
       </p:ext>
     </p:extLst>
   </p:cSld>
